--- a/Project/Final_Project/Presentation/NBA_Prediction_Overview_final_draft.pptx
+++ b/Project/Final_Project/Presentation/NBA_Prediction_Overview_final_draft.pptx
@@ -4690,17 +4690,12 @@
             </a:pPr>
             <a:r>
               <a:rPr lang="en-US" u="sng" dirty="0" smtClean="0"/>
-              <a:t>WS: Win </a:t>
-            </a:r>
-            <a:r>
-              <a:rPr lang="en-US" u="sng" dirty="0" smtClean="0"/>
-              <a:t>Shares</a:t>
+              <a:t>WS: Win Shares</a:t>
             </a:r>
             <a:r>
               <a:rPr lang="en-US" baseline="-25000" dirty="0" smtClean="0"/>
               <a:t>3</a:t>
             </a:r>
-            <a:endParaRPr lang="en-US" baseline="-25000" dirty="0" smtClean="0"/>
           </a:p>
           <a:p>
             <a:pPr marL="0" indent="0">
@@ -5135,11 +5130,7 @@
             </a:pPr>
             <a:r>
               <a:rPr lang="en-US" sz="1200" dirty="0" smtClean="0"/>
-              <a:t>3: Basketball-reference</a:t>
-            </a:r>
-            <a:r>
-              <a:rPr lang="en-US" sz="1200" dirty="0" smtClean="0"/>
-              <a:t>: http</a:t>
+              <a:t>3: Basketball-reference: http</a:t>
             </a:r>
             <a:r>
               <a:rPr lang="en-US" sz="1200" dirty="0"/>
@@ -6371,11 +6362,7 @@
           <a:p>
             <a:r>
               <a:rPr lang="en-US" sz="2400" dirty="0" smtClean="0"/>
-              <a:t>Linear </a:t>
-            </a:r>
-            <a:r>
-              <a:rPr lang="en-US" sz="2400" dirty="0" smtClean="0"/>
-              <a:t>regression</a:t>
+              <a:t>Linear regression</a:t>
             </a:r>
           </a:p>
           <a:p>
@@ -6391,11 +6378,7 @@
             </a:r>
             <a:r>
               <a:rPr lang="en-US" sz="2400" dirty="0" smtClean="0"/>
-              <a:t>ogarithmic </a:t>
-            </a:r>
-            <a:r>
-              <a:rPr lang="en-US" sz="2400" dirty="0" smtClean="0"/>
-              <a:t>regression</a:t>
+              <a:t>ogarithmic regression</a:t>
             </a:r>
           </a:p>
           <a:p>
@@ -6406,7 +6389,6 @@
               <a:rPr lang="en-US" sz="2400" dirty="0" smtClean="0"/>
               <a:t>Decision Tree </a:t>
             </a:r>
-            <a:endParaRPr lang="en-US" sz="2400" dirty="0" smtClean="0"/>
           </a:p>
           <a:p>
             <a:endParaRPr lang="en-US" sz="2400" dirty="0" smtClean="0"/>
@@ -9704,11 +9686,7 @@
             </a:pPr>
             <a:r>
               <a:rPr lang="en-US" sz="3200" dirty="0" smtClean="0"/>
-              <a:t>PER</a:t>
-            </a:r>
-            <a:r>
-              <a:rPr lang="en-US" sz="3200" dirty="0" smtClean="0"/>
-              <a:t>:</a:t>
+              <a:t>PER:</a:t>
             </a:r>
           </a:p>
           <a:p>
@@ -9725,13 +9703,8 @@
             </a:pPr>
             <a:r>
               <a:rPr lang="en-US" sz="3200" dirty="0" smtClean="0"/>
-              <a:t>2.8</a:t>
-            </a:r>
-            <a:r>
-              <a:rPr lang="en-US" sz="3200" dirty="0" smtClean="0"/>
-              <a:t>% of population qualified</a:t>
-            </a:r>
-            <a:endParaRPr lang="en-US" sz="3200" dirty="0" smtClean="0"/>
+              <a:t>2.8% of population qualified</a:t>
+            </a:r>
           </a:p>
         </p:txBody>
       </p:sp>
@@ -9951,13 +9924,8 @@
             </a:pPr>
             <a:r>
               <a:rPr lang="en-US" dirty="0" smtClean="0"/>
-              <a:t>3.3</a:t>
-            </a:r>
-            <a:r>
-              <a:rPr lang="en-US" dirty="0" smtClean="0"/>
-              <a:t>% of population qualified </a:t>
-            </a:r>
-            <a:endParaRPr lang="en-US" dirty="0" smtClean="0"/>
+              <a:t>3.3% of population qualified </a:t>
+            </a:r>
           </a:p>
           <a:p>
             <a:pPr marL="0" indent="0">
@@ -10603,7 +10571,6 @@
               <a:rPr lang="en-US" sz="3200" u="sng" dirty="0" smtClean="0"/>
               <a:t>Decision Tree</a:t>
             </a:r>
-            <a:endParaRPr lang="en-US" sz="3200" u="sng" dirty="0" smtClean="0"/>
           </a:p>
           <a:p>
             <a:pPr marL="0" indent="0">
@@ -13476,7 +13443,11 @@
             </a:pPr>
             <a:r>
               <a:rPr lang="en-US" u="sng" dirty="0" smtClean="0"/>
-              <a:t>Description of your data set</a:t>
+              <a:t>Description of </a:t>
+            </a:r>
+            <a:r>
+              <a:rPr lang="en-US" u="sng" dirty="0" smtClean="0"/>
+              <a:t>my data set</a:t>
             </a:r>
             <a:endParaRPr lang="en-US" sz="2200" dirty="0" smtClean="0"/>
           </a:p>
